--- a/images/Presentation1.pptx
+++ b/images/Presentation1.pptx
@@ -105,6 +105,11 @@
       </a:defRPr>
     </a:lvl9pPr>
   </p:defaultTextStyle>
+  <p:extLst>
+    <p:ext uri="{EFAFB233-063F-42B5-8137-9DF3F51BA10A}">
+      <p15:sldGuideLst xmlns:p15="http://schemas.microsoft.com/office/powerpoint/2012/main"/>
+    </p:ext>
+  </p:extLst>
 </p:presentation>
 </file>
 
@@ -239,7 +244,7 @@
           <a:p>
             <a:fld id="{1BA68B13-E2FD-874F-A874-37387A3A2230}" type="datetimeFigureOut">
               <a:rPr lang="en-US" smtClean="0"/>
-              <a:t>10/23/17</a:t>
+              <a:t>11/3/17</a:t>
             </a:fld>
             <a:endParaRPr lang="en-US"/>
           </a:p>
@@ -409,7 +414,7 @@
           <a:p>
             <a:fld id="{1BA68B13-E2FD-874F-A874-37387A3A2230}" type="datetimeFigureOut">
               <a:rPr lang="en-US" smtClean="0"/>
-              <a:t>10/23/17</a:t>
+              <a:t>11/3/17</a:t>
             </a:fld>
             <a:endParaRPr lang="en-US"/>
           </a:p>
@@ -589,7 +594,7 @@
           <a:p>
             <a:fld id="{1BA68B13-E2FD-874F-A874-37387A3A2230}" type="datetimeFigureOut">
               <a:rPr lang="en-US" smtClean="0"/>
-              <a:t>10/23/17</a:t>
+              <a:t>11/3/17</a:t>
             </a:fld>
             <a:endParaRPr lang="en-US"/>
           </a:p>
@@ -759,7 +764,7 @@
           <a:p>
             <a:fld id="{1BA68B13-E2FD-874F-A874-37387A3A2230}" type="datetimeFigureOut">
               <a:rPr lang="en-US" smtClean="0"/>
-              <a:t>10/23/17</a:t>
+              <a:t>11/3/17</a:t>
             </a:fld>
             <a:endParaRPr lang="en-US"/>
           </a:p>
@@ -1005,7 +1010,7 @@
           <a:p>
             <a:fld id="{1BA68B13-E2FD-874F-A874-37387A3A2230}" type="datetimeFigureOut">
               <a:rPr lang="en-US" smtClean="0"/>
-              <a:t>10/23/17</a:t>
+              <a:t>11/3/17</a:t>
             </a:fld>
             <a:endParaRPr lang="en-US"/>
           </a:p>
@@ -1237,7 +1242,7 @@
           <a:p>
             <a:fld id="{1BA68B13-E2FD-874F-A874-37387A3A2230}" type="datetimeFigureOut">
               <a:rPr lang="en-US" smtClean="0"/>
-              <a:t>10/23/17</a:t>
+              <a:t>11/3/17</a:t>
             </a:fld>
             <a:endParaRPr lang="en-US"/>
           </a:p>
@@ -1604,7 +1609,7 @@
           <a:p>
             <a:fld id="{1BA68B13-E2FD-874F-A874-37387A3A2230}" type="datetimeFigureOut">
               <a:rPr lang="en-US" smtClean="0"/>
-              <a:t>10/23/17</a:t>
+              <a:t>11/3/17</a:t>
             </a:fld>
             <a:endParaRPr lang="en-US"/>
           </a:p>
@@ -1722,7 +1727,7 @@
           <a:p>
             <a:fld id="{1BA68B13-E2FD-874F-A874-37387A3A2230}" type="datetimeFigureOut">
               <a:rPr lang="en-US" smtClean="0"/>
-              <a:t>10/23/17</a:t>
+              <a:t>11/3/17</a:t>
             </a:fld>
             <a:endParaRPr lang="en-US"/>
           </a:p>
@@ -1817,7 +1822,7 @@
           <a:p>
             <a:fld id="{1BA68B13-E2FD-874F-A874-37387A3A2230}" type="datetimeFigureOut">
               <a:rPr lang="en-US" smtClean="0"/>
-              <a:t>10/23/17</a:t>
+              <a:t>11/3/17</a:t>
             </a:fld>
             <a:endParaRPr lang="en-US"/>
           </a:p>
@@ -2094,7 +2099,7 @@
           <a:p>
             <a:fld id="{1BA68B13-E2FD-874F-A874-37387A3A2230}" type="datetimeFigureOut">
               <a:rPr lang="en-US" smtClean="0"/>
-              <a:t>10/23/17</a:t>
+              <a:t>11/3/17</a:t>
             </a:fld>
             <a:endParaRPr lang="en-US"/>
           </a:p>
@@ -2347,7 +2352,7 @@
           <a:p>
             <a:fld id="{1BA68B13-E2FD-874F-A874-37387A3A2230}" type="datetimeFigureOut">
               <a:rPr lang="en-US" smtClean="0"/>
-              <a:t>10/23/17</a:t>
+              <a:t>11/3/17</a:t>
             </a:fld>
             <a:endParaRPr lang="en-US"/>
           </a:p>
@@ -2560,7 +2565,7 @@
           <a:p>
             <a:fld id="{1BA68B13-E2FD-874F-A874-37387A3A2230}" type="datetimeFigureOut">
               <a:rPr lang="en-US" smtClean="0"/>
-              <a:t>10/23/17</a:t>
+              <a:t>11/3/17</a:t>
             </a:fld>
             <a:endParaRPr lang="en-US"/>
           </a:p>
@@ -3198,6 +3203,30 @@
           </a:prstGeom>
         </p:spPr>
       </p:pic>
+      <p:pic>
+        <p:nvPicPr>
+          <p:cNvPr id="3" name="Picture 2"/>
+          <p:cNvPicPr>
+            <a:picLocks noChangeAspect="1"/>
+          </p:cNvPicPr>
+          <p:nvPr/>
+        </p:nvPicPr>
+        <p:blipFill>
+          <a:blip r:embed="rId8"/>
+          <a:stretch>
+            <a:fillRect/>
+          </a:stretch>
+        </p:blipFill>
+        <p:spPr>
+          <a:xfrm>
+            <a:off x="2504414" y="83127"/>
+            <a:ext cx="7183168" cy="6858000"/>
+          </a:xfrm>
+          <a:prstGeom prst="rect">
+            <a:avLst/>
+          </a:prstGeom>
+        </p:spPr>
+      </p:pic>
     </p:spTree>
     <p:extLst>
       <p:ext uri="{BB962C8B-B14F-4D97-AF65-F5344CB8AC3E}">
